--- a/Ip-s feladat-nagy-kristof-10d.pptx
+++ b/Ip-s feladat-nagy-kristof-10d.pptx
@@ -106,6 +106,11 @@
       </a:defRPr>
     </a:lvl9pPr>
   </p:defaultTextStyle>
+  <p:extLst>
+    <p:ext uri="{EFAFB233-063F-42B5-8137-9DF3F51BA10A}">
+      <p15:sldGuideLst xmlns:p15="http://schemas.microsoft.com/office/powerpoint/2012/main"/>
+    </p:ext>
+  </p:extLst>
 </p:presentation>
 </file>
 
@@ -159,7 +164,7 @@
           <a:noFill/>
           <a:extLst>
             <a:ext uri="{909E8E84-426E-40dd-AFC4-6F175D3DCCD1}">
-              <a14:hiddenFill xmlns:a14="http://schemas.microsoft.com/office/drawing/2010/main" xmlns="">
+              <a14:hiddenFill xmlns="" xmlns:a14="http://schemas.microsoft.com/office/drawing/2010/main">
                 <a:solidFill>
                   <a:srgbClr val="FFFFFF"/>
                 </a:solidFill>
@@ -219,7 +224,7 @@
             </a:ln>
             <a:extLst>
               <a:ext uri="{91240B29-F687-4f45-9708-019B960494DF}">
-                <a14:hiddenLine xmlns:a14="http://schemas.microsoft.com/office/drawing/2010/main" xmlns="" w="9525">
+                <a14:hiddenLine xmlns="" xmlns:a14="http://schemas.microsoft.com/office/drawing/2010/main" w="9525">
                   <a:solidFill>
                     <a:srgbClr val="000000"/>
                   </a:solidFill>
@@ -309,7 +314,7 @@
             </a:ln>
             <a:extLst>
               <a:ext uri="{91240B29-F687-4f45-9708-019B960494DF}">
-                <a14:hiddenLine xmlns:a14="http://schemas.microsoft.com/office/drawing/2010/main" xmlns="" w="9525">
+                <a14:hiddenLine xmlns="" xmlns:a14="http://schemas.microsoft.com/office/drawing/2010/main" w="9525">
                   <a:solidFill>
                     <a:srgbClr val="000000"/>
                   </a:solidFill>
@@ -399,7 +404,7 @@
             </a:ln>
             <a:extLst>
               <a:ext uri="{91240B29-F687-4f45-9708-019B960494DF}">
-                <a14:hiddenLine xmlns:a14="http://schemas.microsoft.com/office/drawing/2010/main" xmlns="" w="9525">
+                <a14:hiddenLine xmlns="" xmlns:a14="http://schemas.microsoft.com/office/drawing/2010/main" w="9525">
                   <a:solidFill>
                     <a:srgbClr val="000000"/>
                   </a:solidFill>
@@ -433,7 +438,7 @@
             </a:ln>
             <a:extLst>
               <a:ext uri="{91240B29-F687-4f45-9708-019B960494DF}">
-                <a14:hiddenLine xmlns:a14="http://schemas.microsoft.com/office/drawing/2010/main" xmlns="" w="9525">
+                <a14:hiddenLine xmlns="" xmlns:a14="http://schemas.microsoft.com/office/drawing/2010/main" w="9525">
                   <a:solidFill>
                     <a:srgbClr val="000000"/>
                   </a:solidFill>
@@ -523,7 +528,7 @@
             </a:ln>
             <a:extLst>
               <a:ext uri="{91240B29-F687-4f45-9708-019B960494DF}">
-                <a14:hiddenLine xmlns:a14="http://schemas.microsoft.com/office/drawing/2010/main" xmlns="" w="9525">
+                <a14:hiddenLine xmlns="" xmlns:a14="http://schemas.microsoft.com/office/drawing/2010/main" w="9525">
                   <a:solidFill>
                     <a:srgbClr val="000000"/>
                   </a:solidFill>
@@ -585,7 +590,7 @@
             </a:ln>
             <a:extLst>
               <a:ext uri="{91240B29-F687-4f45-9708-019B960494DF}">
-                <a14:hiddenLine xmlns:a14="http://schemas.microsoft.com/office/drawing/2010/main" xmlns="" w="9525">
+                <a14:hiddenLine xmlns="" xmlns:a14="http://schemas.microsoft.com/office/drawing/2010/main" w="9525">
                   <a:solidFill>
                     <a:srgbClr val="000000"/>
                   </a:solidFill>
@@ -647,7 +652,7 @@
             </a:ln>
             <a:extLst>
               <a:ext uri="{91240B29-F687-4f45-9708-019B960494DF}">
-                <a14:hiddenLine xmlns:a14="http://schemas.microsoft.com/office/drawing/2010/main" xmlns="" w="9525">
+                <a14:hiddenLine xmlns="" xmlns:a14="http://schemas.microsoft.com/office/drawing/2010/main" w="9525">
                   <a:solidFill>
                     <a:srgbClr val="000000"/>
                   </a:solidFill>
@@ -737,7 +742,7 @@
             </a:ln>
             <a:extLst>
               <a:ext uri="{91240B29-F687-4f45-9708-019B960494DF}">
-                <a14:hiddenLine xmlns:a14="http://schemas.microsoft.com/office/drawing/2010/main" xmlns="" w="9525">
+                <a14:hiddenLine xmlns="" xmlns:a14="http://schemas.microsoft.com/office/drawing/2010/main" w="9525">
                   <a:solidFill>
                     <a:srgbClr val="000000"/>
                   </a:solidFill>
@@ -799,7 +804,7 @@
             </a:ln>
             <a:extLst>
               <a:ext uri="{91240B29-F687-4f45-9708-019B960494DF}">
-                <a14:hiddenLine xmlns:a14="http://schemas.microsoft.com/office/drawing/2010/main" xmlns="" w="9525">
+                <a14:hiddenLine xmlns="" xmlns:a14="http://schemas.microsoft.com/office/drawing/2010/main" w="9525">
                   <a:solidFill>
                     <a:srgbClr val="000000"/>
                   </a:solidFill>
@@ -861,7 +866,7 @@
             </a:ln>
             <a:extLst>
               <a:ext uri="{91240B29-F687-4f45-9708-019B960494DF}">
-                <a14:hiddenLine xmlns:a14="http://schemas.microsoft.com/office/drawing/2010/main" xmlns="" w="9525">
+                <a14:hiddenLine xmlns="" xmlns:a14="http://schemas.microsoft.com/office/drawing/2010/main" w="9525">
                   <a:solidFill>
                     <a:srgbClr val="000000"/>
                   </a:solidFill>
@@ -951,7 +956,7 @@
             </a:ln>
             <a:extLst>
               <a:ext uri="{91240B29-F687-4f45-9708-019B960494DF}">
-                <a14:hiddenLine xmlns:a14="http://schemas.microsoft.com/office/drawing/2010/main" xmlns="" w="9525">
+                <a14:hiddenLine xmlns="" xmlns:a14="http://schemas.microsoft.com/office/drawing/2010/main" w="9525">
                   <a:solidFill>
                     <a:srgbClr val="000000"/>
                   </a:solidFill>
@@ -1041,7 +1046,7 @@
             </a:ln>
             <a:extLst>
               <a:ext uri="{91240B29-F687-4f45-9708-019B960494DF}">
-                <a14:hiddenLine xmlns:a14="http://schemas.microsoft.com/office/drawing/2010/main" xmlns="" w="9525">
+                <a14:hiddenLine xmlns="" xmlns:a14="http://schemas.microsoft.com/office/drawing/2010/main" w="9525">
                   <a:solidFill>
                     <a:srgbClr val="000000"/>
                   </a:solidFill>
@@ -1103,7 +1108,7 @@
             </a:ln>
             <a:extLst>
               <a:ext uri="{91240B29-F687-4f45-9708-019B960494DF}">
-                <a14:hiddenLine xmlns:a14="http://schemas.microsoft.com/office/drawing/2010/main" xmlns="" w="9525">
+                <a14:hiddenLine xmlns="" xmlns:a14="http://schemas.microsoft.com/office/drawing/2010/main" w="9525">
                   <a:solidFill>
                     <a:srgbClr val="000000"/>
                   </a:solidFill>
@@ -1213,7 +1218,7 @@
             </a:ln>
             <a:extLst>
               <a:ext uri="{91240B29-F687-4f45-9708-019B960494DF}">
-                <a14:hiddenLine xmlns:a14="http://schemas.microsoft.com/office/drawing/2010/main" xmlns="" w="9525">
+                <a14:hiddenLine xmlns="" xmlns:a14="http://schemas.microsoft.com/office/drawing/2010/main" w="9525">
                   <a:solidFill>
                     <a:srgbClr val="000000"/>
                   </a:solidFill>
@@ -1275,7 +1280,7 @@
             </a:ln>
             <a:extLst>
               <a:ext uri="{91240B29-F687-4f45-9708-019B960494DF}">
-                <a14:hiddenLine xmlns:a14="http://schemas.microsoft.com/office/drawing/2010/main" xmlns="" w="9525">
+                <a14:hiddenLine xmlns="" xmlns:a14="http://schemas.microsoft.com/office/drawing/2010/main" w="9525">
                   <a:solidFill>
                     <a:srgbClr val="000000"/>
                   </a:solidFill>
@@ -1365,7 +1370,7 @@
             </a:ln>
             <a:extLst>
               <a:ext uri="{91240B29-F687-4f45-9708-019B960494DF}">
-                <a14:hiddenLine xmlns:a14="http://schemas.microsoft.com/office/drawing/2010/main" xmlns="" w="9525">
+                <a14:hiddenLine xmlns="" xmlns:a14="http://schemas.microsoft.com/office/drawing/2010/main" w="9525">
                   <a:solidFill>
                     <a:srgbClr val="000000"/>
                   </a:solidFill>
@@ -1455,7 +1460,7 @@
             </a:ln>
             <a:extLst>
               <a:ext uri="{91240B29-F687-4f45-9708-019B960494DF}">
-                <a14:hiddenLine xmlns:a14="http://schemas.microsoft.com/office/drawing/2010/main" xmlns="" w="9525">
+                <a14:hiddenLine xmlns="" xmlns:a14="http://schemas.microsoft.com/office/drawing/2010/main" w="9525">
                   <a:solidFill>
                     <a:srgbClr val="000000"/>
                   </a:solidFill>
@@ -1517,7 +1522,7 @@
             </a:ln>
             <a:extLst>
               <a:ext uri="{91240B29-F687-4f45-9708-019B960494DF}">
-                <a14:hiddenLine xmlns:a14="http://schemas.microsoft.com/office/drawing/2010/main" xmlns="" w="9525">
+                <a14:hiddenLine xmlns="" xmlns:a14="http://schemas.microsoft.com/office/drawing/2010/main" w="9525">
                   <a:solidFill>
                     <a:srgbClr val="000000"/>
                   </a:solidFill>
@@ -1607,7 +1612,7 @@
             </a:ln>
             <a:extLst>
               <a:ext uri="{91240B29-F687-4f45-9708-019B960494DF}">
-                <a14:hiddenLine xmlns:a14="http://schemas.microsoft.com/office/drawing/2010/main" xmlns="" w="9525">
+                <a14:hiddenLine xmlns="" xmlns:a14="http://schemas.microsoft.com/office/drawing/2010/main" w="9525">
                   <a:solidFill>
                     <a:srgbClr val="000000"/>
                   </a:solidFill>
@@ -1697,7 +1702,7 @@
             </a:ln>
             <a:extLst>
               <a:ext uri="{91240B29-F687-4f45-9708-019B960494DF}">
-                <a14:hiddenLine xmlns:a14="http://schemas.microsoft.com/office/drawing/2010/main" xmlns="" w="9525">
+                <a14:hiddenLine xmlns="" xmlns:a14="http://schemas.microsoft.com/office/drawing/2010/main" w="9525">
                   <a:solidFill>
                     <a:srgbClr val="000000"/>
                   </a:solidFill>
@@ -1753,7 +1758,7 @@
             </a:ln>
             <a:extLst>
               <a:ext uri="{91240B29-F687-4f45-9708-019B960494DF}">
-                <a14:hiddenLine xmlns:a14="http://schemas.microsoft.com/office/drawing/2010/main" xmlns="" w="9525">
+                <a14:hiddenLine xmlns="" xmlns:a14="http://schemas.microsoft.com/office/drawing/2010/main" w="9525">
                   <a:solidFill>
                     <a:srgbClr val="000000"/>
                   </a:solidFill>
@@ -1843,7 +1848,7 @@
             </a:ln>
             <a:extLst>
               <a:ext uri="{91240B29-F687-4f45-9708-019B960494DF}">
-                <a14:hiddenLine xmlns:a14="http://schemas.microsoft.com/office/drawing/2010/main" xmlns="" w="9525">
+                <a14:hiddenLine xmlns="" xmlns:a14="http://schemas.microsoft.com/office/drawing/2010/main" w="9525">
                   <a:solidFill>
                     <a:srgbClr val="000000"/>
                   </a:solidFill>
@@ -1899,7 +1904,7 @@
             </a:ln>
             <a:extLst>
               <a:ext uri="{91240B29-F687-4f45-9708-019B960494DF}">
-                <a14:hiddenLine xmlns:a14="http://schemas.microsoft.com/office/drawing/2010/main" xmlns="" w="9525">
+                <a14:hiddenLine xmlns="" xmlns:a14="http://schemas.microsoft.com/office/drawing/2010/main" w="9525">
                   <a:solidFill>
                     <a:srgbClr val="000000"/>
                   </a:solidFill>
@@ -1989,7 +1994,7 @@
             </a:ln>
             <a:extLst>
               <a:ext uri="{91240B29-F687-4f45-9708-019B960494DF}">
-                <a14:hiddenLine xmlns:a14="http://schemas.microsoft.com/office/drawing/2010/main" xmlns="" w="9525">
+                <a14:hiddenLine xmlns="" xmlns:a14="http://schemas.microsoft.com/office/drawing/2010/main" w="9525">
                   <a:solidFill>
                     <a:srgbClr val="000000"/>
                   </a:solidFill>
@@ -2057,7 +2062,7 @@
             </a:ln>
             <a:extLst>
               <a:ext uri="{91240B29-F687-4f45-9708-019B960494DF}">
-                <a14:hiddenLine xmlns:a14="http://schemas.microsoft.com/office/drawing/2010/main" xmlns="" w="9525">
+                <a14:hiddenLine xmlns="" xmlns:a14="http://schemas.microsoft.com/office/drawing/2010/main" w="9525">
                   <a:solidFill>
                     <a:srgbClr val="000000"/>
                   </a:solidFill>
@@ -2147,7 +2152,7 @@
             </a:ln>
             <a:extLst>
               <a:ext uri="{91240B29-F687-4f45-9708-019B960494DF}">
-                <a14:hiddenLine xmlns:a14="http://schemas.microsoft.com/office/drawing/2010/main" xmlns="" w="9525">
+                <a14:hiddenLine xmlns="" xmlns:a14="http://schemas.microsoft.com/office/drawing/2010/main" w="9525">
                   <a:solidFill>
                     <a:srgbClr val="000000"/>
                   </a:solidFill>
@@ -2215,7 +2220,7 @@
             </a:ln>
             <a:extLst>
               <a:ext uri="{91240B29-F687-4f45-9708-019B960494DF}">
-                <a14:hiddenLine xmlns:a14="http://schemas.microsoft.com/office/drawing/2010/main" xmlns="" w="9525">
+                <a14:hiddenLine xmlns="" xmlns:a14="http://schemas.microsoft.com/office/drawing/2010/main" w="9525">
                   <a:solidFill>
                     <a:srgbClr val="000000"/>
                   </a:solidFill>
@@ -2305,7 +2310,7 @@
             </a:ln>
             <a:extLst>
               <a:ext uri="{91240B29-F687-4f45-9708-019B960494DF}">
-                <a14:hiddenLine xmlns:a14="http://schemas.microsoft.com/office/drawing/2010/main" xmlns="" w="9525">
+                <a14:hiddenLine xmlns="" xmlns:a14="http://schemas.microsoft.com/office/drawing/2010/main" w="9525">
                   <a:solidFill>
                     <a:srgbClr val="000000"/>
                   </a:solidFill>
@@ -2339,7 +2344,7 @@
             </a:ln>
             <a:extLst>
               <a:ext uri="{91240B29-F687-4f45-9708-019B960494DF}">
-                <a14:hiddenLine xmlns:a14="http://schemas.microsoft.com/office/drawing/2010/main" xmlns="" w="9525">
+                <a14:hiddenLine xmlns="" xmlns:a14="http://schemas.microsoft.com/office/drawing/2010/main" w="9525">
                   <a:solidFill>
                     <a:srgbClr val="000000"/>
                   </a:solidFill>
@@ -2429,7 +2434,7 @@
             </a:ln>
             <a:extLst>
               <a:ext uri="{91240B29-F687-4f45-9708-019B960494DF}">
-                <a14:hiddenLine xmlns:a14="http://schemas.microsoft.com/office/drawing/2010/main" xmlns="" w="9525">
+                <a14:hiddenLine xmlns="" xmlns:a14="http://schemas.microsoft.com/office/drawing/2010/main" w="9525">
                   <a:solidFill>
                     <a:srgbClr val="000000"/>
                   </a:solidFill>
@@ -2491,7 +2496,7 @@
             </a:ln>
             <a:extLst>
               <a:ext uri="{91240B29-F687-4f45-9708-019B960494DF}">
-                <a14:hiddenLine xmlns:a14="http://schemas.microsoft.com/office/drawing/2010/main" xmlns="" w="9525">
+                <a14:hiddenLine xmlns="" xmlns:a14="http://schemas.microsoft.com/office/drawing/2010/main" w="9525">
                   <a:solidFill>
                     <a:srgbClr val="000000"/>
                   </a:solidFill>
@@ -2553,7 +2558,7 @@
             </a:ln>
             <a:extLst>
               <a:ext uri="{91240B29-F687-4f45-9708-019B960494DF}">
-                <a14:hiddenLine xmlns:a14="http://schemas.microsoft.com/office/drawing/2010/main" xmlns="" w="9525">
+                <a14:hiddenLine xmlns="" xmlns:a14="http://schemas.microsoft.com/office/drawing/2010/main" w="9525">
                   <a:solidFill>
                     <a:srgbClr val="000000"/>
                   </a:solidFill>
@@ -2643,7 +2648,7 @@
             </a:ln>
             <a:extLst>
               <a:ext uri="{91240B29-F687-4f45-9708-019B960494DF}">
-                <a14:hiddenLine xmlns:a14="http://schemas.microsoft.com/office/drawing/2010/main" xmlns="" w="9525">
+                <a14:hiddenLine xmlns="" xmlns:a14="http://schemas.microsoft.com/office/drawing/2010/main" w="9525">
                   <a:solidFill>
                     <a:srgbClr val="000000"/>
                   </a:solidFill>
@@ -2711,7 +2716,7 @@
             </a:ln>
             <a:extLst>
               <a:ext uri="{91240B29-F687-4f45-9708-019B960494DF}">
-                <a14:hiddenLine xmlns:a14="http://schemas.microsoft.com/office/drawing/2010/main" xmlns="" w="9525">
+                <a14:hiddenLine xmlns="" xmlns:a14="http://schemas.microsoft.com/office/drawing/2010/main" w="9525">
                   <a:solidFill>
                     <a:srgbClr val="000000"/>
                   </a:solidFill>
@@ -2773,7 +2778,7 @@
             </a:ln>
             <a:extLst>
               <a:ext uri="{91240B29-F687-4f45-9708-019B960494DF}">
-                <a14:hiddenLine xmlns:a14="http://schemas.microsoft.com/office/drawing/2010/main" xmlns="" w="9525">
+                <a14:hiddenLine xmlns="" xmlns:a14="http://schemas.microsoft.com/office/drawing/2010/main" w="9525">
                   <a:solidFill>
                     <a:srgbClr val="000000"/>
                   </a:solidFill>
@@ -2863,7 +2868,7 @@
             </a:ln>
             <a:extLst>
               <a:ext uri="{91240B29-F687-4f45-9708-019B960494DF}">
-                <a14:hiddenLine xmlns:a14="http://schemas.microsoft.com/office/drawing/2010/main" xmlns="" w="9525">
+                <a14:hiddenLine xmlns="" xmlns:a14="http://schemas.microsoft.com/office/drawing/2010/main" w="9525">
                   <a:solidFill>
                     <a:srgbClr val="000000"/>
                   </a:solidFill>
@@ -2925,7 +2930,7 @@
             </a:ln>
             <a:extLst>
               <a:ext uri="{91240B29-F687-4f45-9708-019B960494DF}">
-                <a14:hiddenLine xmlns:a14="http://schemas.microsoft.com/office/drawing/2010/main" xmlns="" w="9525">
+                <a14:hiddenLine xmlns="" xmlns:a14="http://schemas.microsoft.com/office/drawing/2010/main" w="9525">
                   <a:solidFill>
                     <a:srgbClr val="000000"/>
                   </a:solidFill>
@@ -3015,7 +3020,7 @@
             </a:ln>
             <a:extLst>
               <a:ext uri="{91240B29-F687-4f45-9708-019B960494DF}">
-                <a14:hiddenLine xmlns:a14="http://schemas.microsoft.com/office/drawing/2010/main" xmlns="" w="9525">
+                <a14:hiddenLine xmlns="" xmlns:a14="http://schemas.microsoft.com/office/drawing/2010/main" w="9525">
                   <a:solidFill>
                     <a:srgbClr val="000000"/>
                   </a:solidFill>
@@ -3077,7 +3082,7 @@
             </a:ln>
             <a:extLst>
               <a:ext uri="{91240B29-F687-4f45-9708-019B960494DF}">
-                <a14:hiddenLine xmlns:a14="http://schemas.microsoft.com/office/drawing/2010/main" xmlns="" w="9525">
+                <a14:hiddenLine xmlns="" xmlns:a14="http://schemas.microsoft.com/office/drawing/2010/main" w="9525">
                   <a:solidFill>
                     <a:srgbClr val="000000"/>
                   </a:solidFill>
@@ -3167,7 +3172,7 @@
             </a:ln>
             <a:extLst>
               <a:ext uri="{91240B29-F687-4f45-9708-019B960494DF}">
-                <a14:hiddenLine xmlns:a14="http://schemas.microsoft.com/office/drawing/2010/main" xmlns="" w="9525">
+                <a14:hiddenLine xmlns="" xmlns:a14="http://schemas.microsoft.com/office/drawing/2010/main" w="9525">
                   <a:solidFill>
                     <a:srgbClr val="000000"/>
                   </a:solidFill>
@@ -3201,7 +3206,7 @@
             </a:ln>
             <a:extLst>
               <a:ext uri="{91240B29-F687-4f45-9708-019B960494DF}">
-                <a14:hiddenLine xmlns:a14="http://schemas.microsoft.com/office/drawing/2010/main" xmlns="" w="9525">
+                <a14:hiddenLine xmlns="" xmlns:a14="http://schemas.microsoft.com/office/drawing/2010/main" w="9525">
                   <a:solidFill>
                     <a:srgbClr val="000000"/>
                   </a:solidFill>
@@ -3266,7 +3271,7 @@
             </a:ln>
             <a:extLst>
               <a:ext uri="{91240B29-F687-4f45-9708-019B960494DF}">
-                <a14:hiddenLine xmlns:a14="http://schemas.microsoft.com/office/drawing/2010/main" xmlns="" w="9525">
+                <a14:hiddenLine xmlns="" xmlns:a14="http://schemas.microsoft.com/office/drawing/2010/main" w="9525">
                   <a:solidFill>
                     <a:srgbClr val="000000"/>
                   </a:solidFill>
@@ -3356,7 +3361,7 @@
             </a:ln>
             <a:extLst>
               <a:ext uri="{91240B29-F687-4f45-9708-019B960494DF}">
-                <a14:hiddenLine xmlns:a14="http://schemas.microsoft.com/office/drawing/2010/main" xmlns="" w="9525">
+                <a14:hiddenLine xmlns="" xmlns:a14="http://schemas.microsoft.com/office/drawing/2010/main" w="9525">
                   <a:solidFill>
                     <a:srgbClr val="000000"/>
                   </a:solidFill>
@@ -3418,7 +3423,7 @@
             </a:ln>
             <a:extLst>
               <a:ext uri="{91240B29-F687-4f45-9708-019B960494DF}">
-                <a14:hiddenLine xmlns:a14="http://schemas.microsoft.com/office/drawing/2010/main" xmlns="" w="9525">
+                <a14:hiddenLine xmlns="" xmlns:a14="http://schemas.microsoft.com/office/drawing/2010/main" w="9525">
                   <a:solidFill>
                     <a:srgbClr val="000000"/>
                   </a:solidFill>
@@ -3508,7 +3513,7 @@
             </a:ln>
             <a:extLst>
               <a:ext uri="{91240B29-F687-4f45-9708-019B960494DF}">
-                <a14:hiddenLine xmlns:a14="http://schemas.microsoft.com/office/drawing/2010/main" xmlns="" w="9525">
+                <a14:hiddenLine xmlns="" xmlns:a14="http://schemas.microsoft.com/office/drawing/2010/main" w="9525">
                   <a:solidFill>
                     <a:srgbClr val="000000"/>
                   </a:solidFill>
@@ -3598,7 +3603,7 @@
             </a:ln>
             <a:extLst>
               <a:ext uri="{91240B29-F687-4f45-9708-019B960494DF}">
-                <a14:hiddenLine xmlns:a14="http://schemas.microsoft.com/office/drawing/2010/main" xmlns="" w="9525">
+                <a14:hiddenLine xmlns="" xmlns:a14="http://schemas.microsoft.com/office/drawing/2010/main" w="9525">
                   <a:solidFill>
                     <a:srgbClr val="000000"/>
                   </a:solidFill>
@@ -3663,7 +3668,7 @@
             </a:ln>
             <a:extLst>
               <a:ext uri="{91240B29-F687-4f45-9708-019B960494DF}">
-                <a14:hiddenLine xmlns:a14="http://schemas.microsoft.com/office/drawing/2010/main" xmlns="" w="9525">
+                <a14:hiddenLine xmlns="" xmlns:a14="http://schemas.microsoft.com/office/drawing/2010/main" w="9525">
                   <a:solidFill>
                     <a:srgbClr val="000000"/>
                   </a:solidFill>
@@ -3725,7 +3730,7 @@
             </a:ln>
             <a:extLst>
               <a:ext uri="{91240B29-F687-4f45-9708-019B960494DF}">
-                <a14:hiddenLine xmlns:a14="http://schemas.microsoft.com/office/drawing/2010/main" xmlns="" w="9525">
+                <a14:hiddenLine xmlns="" xmlns:a14="http://schemas.microsoft.com/office/drawing/2010/main" w="9525">
                   <a:solidFill>
                     <a:srgbClr val="000000"/>
                   </a:solidFill>
@@ -3815,7 +3820,7 @@
             </a:ln>
             <a:extLst>
               <a:ext uri="{91240B29-F687-4f45-9708-019B960494DF}">
-                <a14:hiddenLine xmlns:a14="http://schemas.microsoft.com/office/drawing/2010/main" xmlns="" w="9525">
+                <a14:hiddenLine xmlns="" xmlns:a14="http://schemas.microsoft.com/office/drawing/2010/main" w="9525">
                   <a:solidFill>
                     <a:srgbClr val="000000"/>
                   </a:solidFill>
@@ -3905,7 +3910,7 @@
             </a:ln>
             <a:extLst>
               <a:ext uri="{91240B29-F687-4f45-9708-019B960494DF}">
-                <a14:hiddenLine xmlns:a14="http://schemas.microsoft.com/office/drawing/2010/main" xmlns="" w="9525">
+                <a14:hiddenLine xmlns="" xmlns:a14="http://schemas.microsoft.com/office/drawing/2010/main" w="9525">
                   <a:solidFill>
                     <a:srgbClr val="000000"/>
                   </a:solidFill>
@@ -3967,7 +3972,7 @@
             </a:ln>
             <a:extLst>
               <a:ext uri="{91240B29-F687-4f45-9708-019B960494DF}">
-                <a14:hiddenLine xmlns:a14="http://schemas.microsoft.com/office/drawing/2010/main" xmlns="" w="9525">
+                <a14:hiddenLine xmlns="" xmlns:a14="http://schemas.microsoft.com/office/drawing/2010/main" w="9525">
                   <a:solidFill>
                     <a:srgbClr val="000000"/>
                   </a:solidFill>
@@ -4087,7 +4092,7 @@
             </a:ln>
             <a:extLst>
               <a:ext uri="{91240B29-F687-4f45-9708-019B960494DF}">
-                <a14:hiddenLine xmlns:a14="http://schemas.microsoft.com/office/drawing/2010/main" xmlns="" w="9525">
+                <a14:hiddenLine xmlns="" xmlns:a14="http://schemas.microsoft.com/office/drawing/2010/main" w="9525">
                   <a:solidFill>
                     <a:srgbClr val="000000"/>
                   </a:solidFill>
@@ -4155,7 +4160,7 @@
             </a:ln>
             <a:extLst>
               <a:ext uri="{91240B29-F687-4f45-9708-019B960494DF}">
-                <a14:hiddenLine xmlns:a14="http://schemas.microsoft.com/office/drawing/2010/main" xmlns="" w="9525">
+                <a14:hiddenLine xmlns="" xmlns:a14="http://schemas.microsoft.com/office/drawing/2010/main" w="9525">
                   <a:solidFill>
                     <a:srgbClr val="000000"/>
                   </a:solidFill>
@@ -4245,7 +4250,7 @@
             </a:ln>
             <a:extLst>
               <a:ext uri="{91240B29-F687-4f45-9708-019B960494DF}">
-                <a14:hiddenLine xmlns:a14="http://schemas.microsoft.com/office/drawing/2010/main" xmlns="" w="9525">
+                <a14:hiddenLine xmlns="" xmlns:a14="http://schemas.microsoft.com/office/drawing/2010/main" w="9525">
                   <a:solidFill>
                     <a:srgbClr val="000000"/>
                   </a:solidFill>
@@ -4385,7 +4390,7 @@
           <a:p>
             <a:fld id="{48A87A34-81AB-432B-8DAE-1953F412C126}" type="datetimeFigureOut">
               <a:rPr lang="en-US" dirty="0"/>
-              <a:t>3/9/2023</a:t>
+              <a:t>3/16/2023</a:t>
             </a:fld>
             <a:endParaRPr lang="en-US" dirty="0"/>
           </a:p>
@@ -4647,7 +4652,7 @@
           <a:p>
             <a:fld id="{48A87A34-81AB-432B-8DAE-1953F412C126}" type="datetimeFigureOut">
               <a:rPr lang="en-US" dirty="0"/>
-              <a:t>3/9/2023</a:t>
+              <a:t>3/16/2023</a:t>
             </a:fld>
             <a:endParaRPr lang="en-US" dirty="0"/>
           </a:p>
@@ -4838,7 +4843,7 @@
           <a:p>
             <a:fld id="{48A87A34-81AB-432B-8DAE-1953F412C126}" type="datetimeFigureOut">
               <a:rPr lang="en-US" dirty="0"/>
-              <a:t>3/9/2023</a:t>
+              <a:t>3/16/2023</a:t>
             </a:fld>
             <a:endParaRPr lang="en-US" dirty="0"/>
           </a:p>
@@ -5096,7 +5101,7 @@
           <a:p>
             <a:fld id="{48A87A34-81AB-432B-8DAE-1953F412C126}" type="datetimeFigureOut">
               <a:rPr lang="en-US" dirty="0"/>
-              <a:t>3/9/2023</a:t>
+              <a:t>3/16/2023</a:t>
             </a:fld>
             <a:endParaRPr lang="en-US" dirty="0"/>
           </a:p>
@@ -5525,7 +5530,7 @@
           <a:p>
             <a:fld id="{48A87A34-81AB-432B-8DAE-1953F412C126}" type="datetimeFigureOut">
               <a:rPr lang="en-US" dirty="0"/>
-              <a:t>3/9/2023</a:t>
+              <a:t>3/16/2023</a:t>
             </a:fld>
             <a:endParaRPr lang="en-US" dirty="0"/>
           </a:p>
@@ -6066,7 +6071,7 @@
           <a:p>
             <a:fld id="{48A87A34-81AB-432B-8DAE-1953F412C126}" type="datetimeFigureOut">
               <a:rPr lang="en-US" dirty="0"/>
-              <a:t>3/9/2023</a:t>
+              <a:t>3/16/2023</a:t>
             </a:fld>
             <a:endParaRPr lang="en-US" dirty="0"/>
           </a:p>
@@ -6781,7 +6786,7 @@
           <a:p>
             <a:fld id="{48A87A34-81AB-432B-8DAE-1953F412C126}" type="datetimeFigureOut">
               <a:rPr lang="en-US" dirty="0"/>
-              <a:t>3/9/2023</a:t>
+              <a:t>3/16/2023</a:t>
             </a:fld>
             <a:endParaRPr lang="en-US" dirty="0"/>
           </a:p>
@@ -6946,7 +6951,7 @@
           <a:p>
             <a:fld id="{48A87A34-81AB-432B-8DAE-1953F412C126}" type="datetimeFigureOut">
               <a:rPr lang="en-US" dirty="0"/>
-              <a:t>3/9/2023</a:t>
+              <a:t>3/16/2023</a:t>
             </a:fld>
             <a:endParaRPr lang="en-US" dirty="0"/>
           </a:p>
@@ -7121,7 +7126,7 @@
           <a:p>
             <a:fld id="{48A87A34-81AB-432B-8DAE-1953F412C126}" type="datetimeFigureOut">
               <a:rPr lang="en-US" dirty="0"/>
-              <a:t>3/9/2023</a:t>
+              <a:t>3/16/2023</a:t>
             </a:fld>
             <a:endParaRPr lang="en-US" dirty="0"/>
           </a:p>
@@ -7286,7 +7291,7 @@
           <a:p>
             <a:fld id="{48A87A34-81AB-432B-8DAE-1953F412C126}" type="datetimeFigureOut">
               <a:rPr lang="en-US" dirty="0"/>
-              <a:t>3/9/2023</a:t>
+              <a:t>3/16/2023</a:t>
             </a:fld>
             <a:endParaRPr lang="en-US" dirty="0"/>
           </a:p>
@@ -7531,7 +7536,7 @@
           <a:p>
             <a:fld id="{48A87A34-81AB-432B-8DAE-1953F412C126}" type="datetimeFigureOut">
               <a:rPr lang="en-US" dirty="0"/>
-              <a:t>3/9/2023</a:t>
+              <a:t>3/16/2023</a:t>
             </a:fld>
             <a:endParaRPr lang="en-US" dirty="0"/>
           </a:p>
@@ -7758,7 +7763,7 @@
           <a:p>
             <a:fld id="{48A87A34-81AB-432B-8DAE-1953F412C126}" type="datetimeFigureOut">
               <a:rPr lang="en-US" dirty="0"/>
-              <a:t>3/9/2023</a:t>
+              <a:t>3/16/2023</a:t>
             </a:fld>
             <a:endParaRPr lang="en-US" dirty="0"/>
           </a:p>
@@ -8134,7 +8139,7 @@
           <a:p>
             <a:fld id="{48A87A34-81AB-432B-8DAE-1953F412C126}" type="datetimeFigureOut">
               <a:rPr lang="en-US" dirty="0"/>
-              <a:t>3/9/2023</a:t>
+              <a:t>3/16/2023</a:t>
             </a:fld>
             <a:endParaRPr lang="en-US" dirty="0"/>
           </a:p>
@@ -8247,7 +8252,7 @@
           <a:p>
             <a:fld id="{48A87A34-81AB-432B-8DAE-1953F412C126}" type="datetimeFigureOut">
               <a:rPr lang="en-US" dirty="0"/>
-              <a:t>3/9/2023</a:t>
+              <a:t>3/16/2023</a:t>
             </a:fld>
             <a:endParaRPr lang="en-US" dirty="0"/>
           </a:p>
@@ -8337,7 +8342,7 @@
           <a:p>
             <a:fld id="{48A87A34-81AB-432B-8DAE-1953F412C126}" type="datetimeFigureOut">
               <a:rPr lang="en-US" dirty="0"/>
-              <a:t>3/9/2023</a:t>
+              <a:t>3/16/2023</a:t>
             </a:fld>
             <a:endParaRPr lang="en-US" dirty="0"/>
           </a:p>
@@ -8581,7 +8586,7 @@
           <a:p>
             <a:fld id="{48A87A34-81AB-432B-8DAE-1953F412C126}" type="datetimeFigureOut">
               <a:rPr lang="en-US" dirty="0"/>
-              <a:t>3/9/2023</a:t>
+              <a:t>3/16/2023</a:t>
             </a:fld>
             <a:endParaRPr lang="en-US" dirty="0"/>
           </a:p>
@@ -8856,7 +8861,7 @@
           <a:p>
             <a:fld id="{48A87A34-81AB-432B-8DAE-1953F412C126}" type="datetimeFigureOut">
               <a:rPr lang="en-US" dirty="0"/>
-              <a:t>3/9/2023</a:t>
+              <a:t>3/16/2023</a:t>
             </a:fld>
             <a:endParaRPr lang="en-US" dirty="0"/>
           </a:p>
@@ -8967,7 +8972,7 @@
           <a:noFill/>
           <a:extLst>
             <a:ext uri="{909E8E84-426E-40dd-AFC4-6F175D3DCCD1}">
-              <a14:hiddenFill xmlns:a14="http://schemas.microsoft.com/office/drawing/2010/main" xmlns="">
+              <a14:hiddenFill xmlns="" xmlns:a14="http://schemas.microsoft.com/office/drawing/2010/main">
                 <a:solidFill>
                   <a:srgbClr val="FFFFFF"/>
                 </a:solidFill>
@@ -9041,7 +9046,7 @@
               </a:ln>
               <a:extLst>
                 <a:ext uri="{91240B29-F687-4f45-9708-019B960494DF}">
-                  <a14:hiddenLine xmlns:a14="http://schemas.microsoft.com/office/drawing/2010/main" xmlns="" w="9525">
+                  <a14:hiddenLine xmlns="" xmlns:a14="http://schemas.microsoft.com/office/drawing/2010/main" w="9525">
                     <a:solidFill>
                       <a:srgbClr val="000000"/>
                     </a:solidFill>
@@ -9131,7 +9136,7 @@
               </a:ln>
               <a:extLst>
                 <a:ext uri="{91240B29-F687-4f45-9708-019B960494DF}">
-                  <a14:hiddenLine xmlns:a14="http://schemas.microsoft.com/office/drawing/2010/main" xmlns="" w="9525">
+                  <a14:hiddenLine xmlns="" xmlns:a14="http://schemas.microsoft.com/office/drawing/2010/main" w="9525">
                     <a:solidFill>
                       <a:srgbClr val="000000"/>
                     </a:solidFill>
@@ -9221,7 +9226,7 @@
               </a:ln>
               <a:extLst>
                 <a:ext uri="{91240B29-F687-4f45-9708-019B960494DF}">
-                  <a14:hiddenLine xmlns:a14="http://schemas.microsoft.com/office/drawing/2010/main" xmlns="" w="9525">
+                  <a14:hiddenLine xmlns="" xmlns:a14="http://schemas.microsoft.com/office/drawing/2010/main" w="9525">
                     <a:solidFill>
                       <a:srgbClr val="000000"/>
                     </a:solidFill>
@@ -9283,7 +9288,7 @@
               </a:ln>
               <a:extLst>
                 <a:ext uri="{91240B29-F687-4f45-9708-019B960494DF}">
-                  <a14:hiddenLine xmlns:a14="http://schemas.microsoft.com/office/drawing/2010/main" xmlns="" w="9525">
+                  <a14:hiddenLine xmlns="" xmlns:a14="http://schemas.microsoft.com/office/drawing/2010/main" w="9525">
                     <a:solidFill>
                       <a:srgbClr val="000000"/>
                     </a:solidFill>
@@ -9373,7 +9378,7 @@
               </a:ln>
               <a:extLst>
                 <a:ext uri="{91240B29-F687-4f45-9708-019B960494DF}">
-                  <a14:hiddenLine xmlns:a14="http://schemas.microsoft.com/office/drawing/2010/main" xmlns="" w="9525">
+                  <a14:hiddenLine xmlns="" xmlns:a14="http://schemas.microsoft.com/office/drawing/2010/main" w="9525">
                     <a:solidFill>
                       <a:srgbClr val="000000"/>
                     </a:solidFill>
@@ -9435,7 +9440,7 @@
               </a:ln>
               <a:extLst>
                 <a:ext uri="{91240B29-F687-4f45-9708-019B960494DF}">
-                  <a14:hiddenLine xmlns:a14="http://schemas.microsoft.com/office/drawing/2010/main" xmlns="" w="9525">
+                  <a14:hiddenLine xmlns="" xmlns:a14="http://schemas.microsoft.com/office/drawing/2010/main" w="9525">
                     <a:solidFill>
                       <a:srgbClr val="000000"/>
                     </a:solidFill>
@@ -9497,7 +9502,7 @@
               </a:ln>
               <a:extLst>
                 <a:ext uri="{91240B29-F687-4f45-9708-019B960494DF}">
-                  <a14:hiddenLine xmlns:a14="http://schemas.microsoft.com/office/drawing/2010/main" xmlns="" w="9525">
+                  <a14:hiddenLine xmlns="" xmlns:a14="http://schemas.microsoft.com/office/drawing/2010/main" w="9525">
                     <a:solidFill>
                       <a:srgbClr val="000000"/>
                     </a:solidFill>
@@ -9587,7 +9592,7 @@
               </a:ln>
               <a:extLst>
                 <a:ext uri="{91240B29-F687-4f45-9708-019B960494DF}">
-                  <a14:hiddenLine xmlns:a14="http://schemas.microsoft.com/office/drawing/2010/main" xmlns="" w="9525">
+                  <a14:hiddenLine xmlns="" xmlns:a14="http://schemas.microsoft.com/office/drawing/2010/main" w="9525">
                     <a:solidFill>
                       <a:srgbClr val="000000"/>
                     </a:solidFill>
@@ -9677,7 +9682,7 @@
               </a:ln>
               <a:extLst>
                 <a:ext uri="{91240B29-F687-4f45-9708-019B960494DF}">
-                  <a14:hiddenLine xmlns:a14="http://schemas.microsoft.com/office/drawing/2010/main" xmlns="" w="9525">
+                  <a14:hiddenLine xmlns="" xmlns:a14="http://schemas.microsoft.com/office/drawing/2010/main" w="9525">
                     <a:solidFill>
                       <a:srgbClr val="000000"/>
                     </a:solidFill>
@@ -9739,7 +9744,7 @@
               </a:ln>
               <a:extLst>
                 <a:ext uri="{91240B29-F687-4f45-9708-019B960494DF}">
-                  <a14:hiddenLine xmlns:a14="http://schemas.microsoft.com/office/drawing/2010/main" xmlns="" w="9525">
+                  <a14:hiddenLine xmlns="" xmlns:a14="http://schemas.microsoft.com/office/drawing/2010/main" w="9525">
                     <a:solidFill>
                       <a:srgbClr val="000000"/>
                     </a:solidFill>
@@ -9849,7 +9854,7 @@
               </a:ln>
               <a:extLst>
                 <a:ext uri="{91240B29-F687-4f45-9708-019B960494DF}">
-                  <a14:hiddenLine xmlns:a14="http://schemas.microsoft.com/office/drawing/2010/main" xmlns="" w="9525">
+                  <a14:hiddenLine xmlns="" xmlns:a14="http://schemas.microsoft.com/office/drawing/2010/main" w="9525">
                     <a:solidFill>
                       <a:srgbClr val="000000"/>
                     </a:solidFill>
@@ -9933,7 +9938,7 @@
               </a:ln>
               <a:extLst>
                 <a:ext uri="{91240B29-F687-4f45-9708-019B960494DF}">
-                  <a14:hiddenLine xmlns:a14="http://schemas.microsoft.com/office/drawing/2010/main" xmlns="" w="9525">
+                  <a14:hiddenLine xmlns="" xmlns:a14="http://schemas.microsoft.com/office/drawing/2010/main" w="9525">
                     <a:solidFill>
                       <a:srgbClr val="000000"/>
                     </a:solidFill>
@@ -9995,7 +10000,7 @@
               </a:ln>
               <a:extLst>
                 <a:ext uri="{91240B29-F687-4f45-9708-019B960494DF}">
-                  <a14:hiddenLine xmlns:a14="http://schemas.microsoft.com/office/drawing/2010/main" xmlns="" w="9525">
+                  <a14:hiddenLine xmlns="" xmlns:a14="http://schemas.microsoft.com/office/drawing/2010/main" w="9525">
                     <a:solidFill>
                       <a:srgbClr val="000000"/>
                     </a:solidFill>
@@ -10057,7 +10062,7 @@
               </a:ln>
               <a:extLst>
                 <a:ext uri="{91240B29-F687-4f45-9708-019B960494DF}">
-                  <a14:hiddenLine xmlns:a14="http://schemas.microsoft.com/office/drawing/2010/main" xmlns="" w="9525">
+                  <a14:hiddenLine xmlns="" xmlns:a14="http://schemas.microsoft.com/office/drawing/2010/main" w="9525">
                     <a:solidFill>
                       <a:srgbClr val="000000"/>
                     </a:solidFill>
@@ -10147,7 +10152,7 @@
               </a:ln>
               <a:extLst>
                 <a:ext uri="{91240B29-F687-4f45-9708-019B960494DF}">
-                  <a14:hiddenLine xmlns:a14="http://schemas.microsoft.com/office/drawing/2010/main" xmlns="" w="9525">
+                  <a14:hiddenLine xmlns="" xmlns:a14="http://schemas.microsoft.com/office/drawing/2010/main" w="9525">
                     <a:solidFill>
                       <a:srgbClr val="000000"/>
                     </a:solidFill>
@@ -10181,7 +10186,7 @@
               </a:ln>
               <a:extLst>
                 <a:ext uri="{91240B29-F687-4f45-9708-019B960494DF}">
-                  <a14:hiddenLine xmlns:a14="http://schemas.microsoft.com/office/drawing/2010/main" xmlns="" w="9525">
+                  <a14:hiddenLine xmlns="" xmlns:a14="http://schemas.microsoft.com/office/drawing/2010/main" w="9525">
                     <a:solidFill>
                       <a:srgbClr val="000000"/>
                     </a:solidFill>
@@ -10246,7 +10251,7 @@
               </a:ln>
               <a:extLst>
                 <a:ext uri="{91240B29-F687-4f45-9708-019B960494DF}">
-                  <a14:hiddenLine xmlns:a14="http://schemas.microsoft.com/office/drawing/2010/main" xmlns="" w="9525">
+                  <a14:hiddenLine xmlns="" xmlns:a14="http://schemas.microsoft.com/office/drawing/2010/main" w="9525">
                     <a:solidFill>
                       <a:srgbClr val="000000"/>
                     </a:solidFill>
@@ -10336,7 +10341,7 @@
               </a:ln>
               <a:extLst>
                 <a:ext uri="{91240B29-F687-4f45-9708-019B960494DF}">
-                  <a14:hiddenLine xmlns:a14="http://schemas.microsoft.com/office/drawing/2010/main" xmlns="" w="9525">
+                  <a14:hiddenLine xmlns="" xmlns:a14="http://schemas.microsoft.com/office/drawing/2010/main" w="9525">
                     <a:solidFill>
                       <a:srgbClr val="000000"/>
                     </a:solidFill>
@@ -10398,7 +10403,7 @@
               </a:ln>
               <a:extLst>
                 <a:ext uri="{91240B29-F687-4f45-9708-019B960494DF}">
-                  <a14:hiddenLine xmlns:a14="http://schemas.microsoft.com/office/drawing/2010/main" xmlns="" w="9525">
+                  <a14:hiddenLine xmlns="" xmlns:a14="http://schemas.microsoft.com/office/drawing/2010/main" w="9525">
                     <a:solidFill>
                       <a:srgbClr val="000000"/>
                     </a:solidFill>
@@ -10488,7 +10493,7 @@
               </a:ln>
               <a:extLst>
                 <a:ext uri="{91240B29-F687-4f45-9708-019B960494DF}">
-                  <a14:hiddenLine xmlns:a14="http://schemas.microsoft.com/office/drawing/2010/main" xmlns="" w="9525">
+                  <a14:hiddenLine xmlns="" xmlns:a14="http://schemas.microsoft.com/office/drawing/2010/main" w="9525">
                     <a:solidFill>
                       <a:srgbClr val="000000"/>
                     </a:solidFill>
@@ -10553,7 +10558,7 @@
               </a:ln>
               <a:extLst>
                 <a:ext uri="{91240B29-F687-4f45-9708-019B960494DF}">
-                  <a14:hiddenLine xmlns:a14="http://schemas.microsoft.com/office/drawing/2010/main" xmlns="" w="9525">
+                  <a14:hiddenLine xmlns="" xmlns:a14="http://schemas.microsoft.com/office/drawing/2010/main" w="9525">
                     <a:solidFill>
                       <a:srgbClr val="000000"/>
                     </a:solidFill>
@@ -10615,7 +10620,7 @@
               </a:ln>
               <a:extLst>
                 <a:ext uri="{91240B29-F687-4f45-9708-019B960494DF}">
-                  <a14:hiddenLine xmlns:a14="http://schemas.microsoft.com/office/drawing/2010/main" xmlns="" w="9525">
+                  <a14:hiddenLine xmlns="" xmlns:a14="http://schemas.microsoft.com/office/drawing/2010/main" w="9525">
                     <a:solidFill>
                       <a:srgbClr val="000000"/>
                     </a:solidFill>
@@ -10705,7 +10710,7 @@
               </a:ln>
               <a:extLst>
                 <a:ext uri="{91240B29-F687-4f45-9708-019B960494DF}">
-                  <a14:hiddenLine xmlns:a14="http://schemas.microsoft.com/office/drawing/2010/main" xmlns="" w="9525">
+                  <a14:hiddenLine xmlns="" xmlns:a14="http://schemas.microsoft.com/office/drawing/2010/main" w="9525">
                     <a:solidFill>
                       <a:srgbClr val="000000"/>
                     </a:solidFill>
@@ -10795,7 +10800,7 @@
               </a:ln>
               <a:extLst>
                 <a:ext uri="{91240B29-F687-4f45-9708-019B960494DF}">
-                  <a14:hiddenLine xmlns:a14="http://schemas.microsoft.com/office/drawing/2010/main" xmlns="" w="9525">
+                  <a14:hiddenLine xmlns="" xmlns:a14="http://schemas.microsoft.com/office/drawing/2010/main" w="9525">
                     <a:solidFill>
                       <a:srgbClr val="000000"/>
                     </a:solidFill>
@@ -10860,7 +10865,7 @@
               </a:ln>
               <a:extLst>
                 <a:ext uri="{91240B29-F687-4f45-9708-019B960494DF}">
-                  <a14:hiddenLine xmlns:a14="http://schemas.microsoft.com/office/drawing/2010/main" xmlns="" w="9525">
+                  <a14:hiddenLine xmlns="" xmlns:a14="http://schemas.microsoft.com/office/drawing/2010/main" w="9525">
                     <a:solidFill>
                       <a:srgbClr val="000000"/>
                     </a:solidFill>
@@ -10980,7 +10985,7 @@
               </a:ln>
               <a:extLst>
                 <a:ext uri="{91240B29-F687-4f45-9708-019B960494DF}">
-                  <a14:hiddenLine xmlns:a14="http://schemas.microsoft.com/office/drawing/2010/main" xmlns="" w="9525">
+                  <a14:hiddenLine xmlns="" xmlns:a14="http://schemas.microsoft.com/office/drawing/2010/main" w="9525">
                     <a:solidFill>
                       <a:srgbClr val="000000"/>
                     </a:solidFill>
@@ -11078,7 +11083,7 @@
               </a:ln>
               <a:extLst>
                 <a:ext uri="{91240B29-F687-4f45-9708-019B960494DF}">
-                  <a14:hiddenLine xmlns:a14="http://schemas.microsoft.com/office/drawing/2010/main" xmlns="" w="9525">
+                  <a14:hiddenLine xmlns="" xmlns:a14="http://schemas.microsoft.com/office/drawing/2010/main" w="9525">
                     <a:solidFill>
                       <a:srgbClr val="000000"/>
                     </a:solidFill>
@@ -11193,7 +11198,7 @@
               </a:ln>
               <a:extLst>
                 <a:ext uri="{91240B29-F687-4f45-9708-019B960494DF}">
-                  <a14:hiddenLine xmlns:a14="http://schemas.microsoft.com/office/drawing/2010/main" xmlns="" w="9525">
+                  <a14:hiddenLine xmlns="" xmlns:a14="http://schemas.microsoft.com/office/drawing/2010/main" w="9525">
                     <a:solidFill>
                       <a:srgbClr val="000000"/>
                     </a:solidFill>
@@ -11283,7 +11288,7 @@
               </a:ln>
               <a:extLst>
                 <a:ext uri="{91240B29-F687-4f45-9708-019B960494DF}">
-                  <a14:hiddenLine xmlns:a14="http://schemas.microsoft.com/office/drawing/2010/main" xmlns="" w="9525">
+                  <a14:hiddenLine xmlns="" xmlns:a14="http://schemas.microsoft.com/office/drawing/2010/main" w="9525">
                     <a:solidFill>
                       <a:srgbClr val="000000"/>
                     </a:solidFill>
@@ -11348,7 +11353,7 @@
               </a:ln>
               <a:extLst>
                 <a:ext uri="{91240B29-F687-4f45-9708-019B960494DF}">
-                  <a14:hiddenLine xmlns:a14="http://schemas.microsoft.com/office/drawing/2010/main" xmlns="" w="9525">
+                  <a14:hiddenLine xmlns="" xmlns:a14="http://schemas.microsoft.com/office/drawing/2010/main" w="9525">
                     <a:solidFill>
                       <a:srgbClr val="000000"/>
                     </a:solidFill>
@@ -11438,7 +11443,7 @@
               </a:ln>
               <a:extLst>
                 <a:ext uri="{91240B29-F687-4f45-9708-019B960494DF}">
-                  <a14:hiddenLine xmlns:a14="http://schemas.microsoft.com/office/drawing/2010/main" xmlns="" w="9525">
+                  <a14:hiddenLine xmlns="" xmlns:a14="http://schemas.microsoft.com/office/drawing/2010/main" w="9525">
                     <a:solidFill>
                       <a:srgbClr val="000000"/>
                     </a:solidFill>
@@ -11506,7 +11511,7 @@
               </a:ln>
               <a:extLst>
                 <a:ext uri="{91240B29-F687-4f45-9708-019B960494DF}">
-                  <a14:hiddenLine xmlns:a14="http://schemas.microsoft.com/office/drawing/2010/main" xmlns="" w="9525">
+                  <a14:hiddenLine xmlns="" xmlns:a14="http://schemas.microsoft.com/office/drawing/2010/main" w="9525">
                     <a:solidFill>
                       <a:srgbClr val="000000"/>
                     </a:solidFill>
@@ -11596,7 +11601,7 @@
               </a:ln>
               <a:extLst>
                 <a:ext uri="{91240B29-F687-4f45-9708-019B960494DF}">
-                  <a14:hiddenLine xmlns:a14="http://schemas.microsoft.com/office/drawing/2010/main" xmlns="" w="9525">
+                  <a14:hiddenLine xmlns="" xmlns:a14="http://schemas.microsoft.com/office/drawing/2010/main" w="9525">
                     <a:solidFill>
                       <a:srgbClr val="000000"/>
                     </a:solidFill>
@@ -11664,7 +11669,7 @@
               </a:ln>
               <a:extLst>
                 <a:ext uri="{91240B29-F687-4f45-9708-019B960494DF}">
-                  <a14:hiddenLine xmlns:a14="http://schemas.microsoft.com/office/drawing/2010/main" xmlns="" w="9525">
+                  <a14:hiddenLine xmlns="" xmlns:a14="http://schemas.microsoft.com/office/drawing/2010/main" w="9525">
                     <a:solidFill>
                       <a:srgbClr val="000000"/>
                     </a:solidFill>
@@ -11754,7 +11759,7 @@
               </a:ln>
               <a:extLst>
                 <a:ext uri="{91240B29-F687-4f45-9708-019B960494DF}">
-                  <a14:hiddenLine xmlns:a14="http://schemas.microsoft.com/office/drawing/2010/main" xmlns="" w="9525">
+                  <a14:hiddenLine xmlns="" xmlns:a14="http://schemas.microsoft.com/office/drawing/2010/main" w="9525">
                     <a:solidFill>
                       <a:srgbClr val="000000"/>
                     </a:solidFill>
@@ -11788,7 +11793,7 @@
               </a:ln>
               <a:extLst>
                 <a:ext uri="{91240B29-F687-4f45-9708-019B960494DF}">
-                  <a14:hiddenLine xmlns:a14="http://schemas.microsoft.com/office/drawing/2010/main" xmlns="" w="9525">
+                  <a14:hiddenLine xmlns="" xmlns:a14="http://schemas.microsoft.com/office/drawing/2010/main" w="9525">
                     <a:solidFill>
                       <a:srgbClr val="000000"/>
                     </a:solidFill>
@@ -11929,7 +11934,7 @@
             <a:fld id="{48A87A34-81AB-432B-8DAE-1953F412C126}" type="datetimeFigureOut">
               <a:rPr lang="en-US" dirty="0"/>
               <a:pPr/>
-              <a:t>3/9/2023</a:t>
+              <a:t>3/16/2023</a:t>
             </a:fld>
             <a:endParaRPr lang="en-US" dirty="0"/>
           </a:p>
@@ -12623,36 +12628,6 @@
           <a:chExt cx="0" cy="0"/>
         </a:xfrm>
       </p:grpSpPr>
-      <p:pic>
-        <p:nvPicPr>
-          <p:cNvPr id="4" name="Kép 3">
-            <a:extLst>
-              <a:ext uri="{FF2B5EF4-FFF2-40B4-BE49-F238E27FC236}">
-                <a16:creationId xmlns:a16="http://schemas.microsoft.com/office/drawing/2014/main" id="{E6195511-96B9-420B-8DB8-76C10628B823}"/>
-              </a:ext>
-            </a:extLst>
-          </p:cNvPr>
-          <p:cNvPicPr>
-            <a:picLocks noChangeAspect="1"/>
-          </p:cNvPicPr>
-          <p:nvPr/>
-        </p:nvPicPr>
-        <p:blipFill>
-          <a:blip r:embed="rId2"/>
-          <a:stretch>
-            <a:fillRect/>
-          </a:stretch>
-        </p:blipFill>
-        <p:spPr>
-          <a:xfrm>
-            <a:off x="0" y="1"/>
-            <a:ext cx="9589969" cy="3850494"/>
-          </a:xfrm>
-          <a:prstGeom prst="rect">
-            <a:avLst/>
-          </a:prstGeom>
-        </p:spPr>
-      </p:pic>
       <p:sp>
         <p:nvSpPr>
           <p:cNvPr id="2" name="Cím 1">
@@ -12688,10 +12663,40 @@
       </p:sp>
       <p:pic>
         <p:nvPicPr>
-          <p:cNvPr id="5" name="Kép 4">
+          <p:cNvPr id="10" name="Kép 9">
             <a:extLst>
               <a:ext uri="{FF2B5EF4-FFF2-40B4-BE49-F238E27FC236}">
-                <a16:creationId xmlns:a16="http://schemas.microsoft.com/office/drawing/2014/main" id="{03FBC7B4-8059-4FFE-AB3F-0A882AE17500}"/>
+                <a16:creationId xmlns:a16="http://schemas.microsoft.com/office/drawing/2014/main" id="{F6BAE8A7-7DE1-4ADD-A8F9-480EBC9CDD33}"/>
+              </a:ext>
+            </a:extLst>
+          </p:cNvPr>
+          <p:cNvPicPr>
+            <a:picLocks noChangeAspect="1"/>
+          </p:cNvPicPr>
+          <p:nvPr/>
+        </p:nvPicPr>
+        <p:blipFill>
+          <a:blip r:embed="rId2"/>
+          <a:stretch>
+            <a:fillRect/>
+          </a:stretch>
+        </p:blipFill>
+        <p:spPr>
+          <a:xfrm>
+            <a:off x="0" y="0"/>
+            <a:ext cx="5464027" cy="6858000"/>
+          </a:xfrm>
+          <a:prstGeom prst="rect">
+            <a:avLst/>
+          </a:prstGeom>
+        </p:spPr>
+      </p:pic>
+      <p:pic>
+        <p:nvPicPr>
+          <p:cNvPr id="11" name="Kép 10">
+            <a:extLst>
+              <a:ext uri="{FF2B5EF4-FFF2-40B4-BE49-F238E27FC236}">
+                <a16:creationId xmlns:a16="http://schemas.microsoft.com/office/drawing/2014/main" id="{6DFECF1A-A1B9-4233-B1D2-D985B4537072}"/>
               </a:ext>
             </a:extLst>
           </p:cNvPr>
@@ -12708,8 +12713,8 @@
         </p:blipFill>
         <p:spPr>
           <a:xfrm>
-            <a:off x="0" y="3820000"/>
-            <a:ext cx="10852996" cy="3038000"/>
+            <a:off x="5388216" y="0"/>
+            <a:ext cx="6822102" cy="4708733"/>
           </a:xfrm>
           <a:prstGeom prst="rect">
             <a:avLst/>
@@ -12718,10 +12723,10 @@
       </p:pic>
       <p:sp>
         <p:nvSpPr>
-          <p:cNvPr id="6" name="Téglalap 5">
+          <p:cNvPr id="13" name="Téglalap 12">
             <a:extLst>
               <a:ext uri="{FF2B5EF4-FFF2-40B4-BE49-F238E27FC236}">
-                <a16:creationId xmlns:a16="http://schemas.microsoft.com/office/drawing/2014/main" id="{4A2AA31D-F8C8-47D0-989C-1ADDFAEF3F13}"/>
+                <a16:creationId xmlns:a16="http://schemas.microsoft.com/office/drawing/2014/main" id="{FA40A3EA-35C5-4E52-B388-C8ACE4411046}"/>
               </a:ext>
             </a:extLst>
           </p:cNvPr>
@@ -12730,8 +12735,71 @@
         </p:nvSpPr>
         <p:spPr>
           <a:xfrm>
-            <a:off x="9589969" y="0"/>
-            <a:ext cx="2602031" cy="3820000"/>
+            <a:off x="7388038" y="4708733"/>
+            <a:ext cx="4803962" cy="2149267"/>
+          </a:xfrm>
+          <a:prstGeom prst="rect">
+            <a:avLst/>
+          </a:prstGeom>
+          <a:solidFill>
+            <a:schemeClr val="bg1">
+              <a:lumMod val="85000"/>
+              <a:lumOff val="15000"/>
+            </a:schemeClr>
+          </a:solidFill>
+          <a:ln>
+            <a:solidFill>
+              <a:schemeClr val="bg1">
+                <a:lumMod val="95000"/>
+                <a:lumOff val="5000"/>
+              </a:schemeClr>
+            </a:solidFill>
+          </a:ln>
+        </p:spPr>
+        <p:style>
+          <a:lnRef idx="2">
+            <a:schemeClr val="accent1">
+              <a:shade val="50000"/>
+            </a:schemeClr>
+          </a:lnRef>
+          <a:fillRef idx="1">
+            <a:schemeClr val="accent1"/>
+          </a:fillRef>
+          <a:effectRef idx="0">
+            <a:schemeClr val="accent1"/>
+          </a:effectRef>
+          <a:fontRef idx="minor">
+            <a:schemeClr val="lt1"/>
+          </a:fontRef>
+        </p:style>
+        <p:txBody>
+          <a:bodyPr rtlCol="0" anchor="ctr"/>
+          <a:lstStyle/>
+          <a:p>
+            <a:pPr algn="ctr"/>
+            <a:r>
+              <a:rPr lang="hu-HU" dirty="0"/>
+              <a:t>Output</a:t>
+            </a:r>
+          </a:p>
+        </p:txBody>
+      </p:sp>
+      <p:sp>
+        <p:nvSpPr>
+          <p:cNvPr id="14" name="Téglalap 13">
+            <a:extLst>
+              <a:ext uri="{FF2B5EF4-FFF2-40B4-BE49-F238E27FC236}">
+                <a16:creationId xmlns:a16="http://schemas.microsoft.com/office/drawing/2014/main" id="{54C798BA-8538-440F-B4DD-2DB79C9E88F4}"/>
+              </a:ext>
+            </a:extLst>
+          </p:cNvPr>
+          <p:cNvSpPr/>
+          <p:nvPr/>
+        </p:nvSpPr>
+        <p:spPr>
+          <a:xfrm>
+            <a:off x="5464027" y="4708733"/>
+            <a:ext cx="1924011" cy="2149267"/>
           </a:xfrm>
           <a:prstGeom prst="rect">
             <a:avLst/>
@@ -12774,25 +12842,49 @@
             <a:pPr algn="ctr"/>
             <a:r>
               <a:rPr lang="hu-HU" dirty="0"/>
-              <a:t>Átváltás/</a:t>
-            </a:r>
-            <a:r>
-              <a:rPr lang="hu-HU" dirty="0" err="1"/>
-              <a:t>User</a:t>
-            </a:r>
-            <a:r>
-              <a:rPr lang="hu-HU" dirty="0"/>
-              <a:t> input</a:t>
+              <a:t>Input/Átváltás</a:t>
             </a:r>
           </a:p>
         </p:txBody>
       </p:sp>
       <p:sp>
         <p:nvSpPr>
-          <p:cNvPr id="7" name="Téglalap 6">
+          <p:cNvPr id="15" name="Szövegdoboz 14">
             <a:extLst>
               <a:ext uri="{FF2B5EF4-FFF2-40B4-BE49-F238E27FC236}">
-                <a16:creationId xmlns:a16="http://schemas.microsoft.com/office/drawing/2014/main" id="{73A163F4-E0BD-476E-BDC4-780003B5CDC7}"/>
+                <a16:creationId xmlns:a16="http://schemas.microsoft.com/office/drawing/2014/main" id="{B9C0358A-8524-4333-AE26-757913E091B3}"/>
+              </a:ext>
+            </a:extLst>
+          </p:cNvPr>
+          <p:cNvSpPr txBox="1"/>
+          <p:nvPr/>
+        </p:nvSpPr>
+        <p:spPr>
+          <a:xfrm>
+            <a:off x="6546078" y="2999574"/>
+            <a:ext cx="914400" cy="914400"/>
+          </a:xfrm>
+          <a:prstGeom prst="rect">
+            <a:avLst/>
+          </a:prstGeom>
+          <a:noFill/>
+        </p:spPr>
+        <p:txBody>
+          <a:bodyPr wrap="square" rtlCol="0">
+            <a:spAutoFit/>
+          </a:bodyPr>
+          <a:lstStyle/>
+          <a:p>
+            <a:endParaRPr lang="hu-HU" dirty="0"/>
+          </a:p>
+        </p:txBody>
+      </p:sp>
+      <p:sp>
+        <p:nvSpPr>
+          <p:cNvPr id="16" name="Téglalap 15">
+            <a:extLst>
+              <a:ext uri="{FF2B5EF4-FFF2-40B4-BE49-F238E27FC236}">
+                <a16:creationId xmlns:a16="http://schemas.microsoft.com/office/drawing/2014/main" id="{5E019E66-E9EA-4271-A5F8-437B8A7BE5D1}"/>
               </a:ext>
             </a:extLst>
           </p:cNvPr>
@@ -12801,23 +12893,23 @@
         </p:nvSpPr>
         <p:spPr>
           <a:xfrm>
-            <a:off x="10852996" y="3820000"/>
-            <a:ext cx="1339004" cy="3038000"/>
+            <a:off x="7369718" y="4708732"/>
+            <a:ext cx="45719" cy="2149267"/>
           </a:xfrm>
           <a:prstGeom prst="rect">
             <a:avLst/>
           </a:prstGeom>
           <a:solidFill>
             <a:schemeClr val="bg1">
-              <a:lumMod val="85000"/>
-              <a:lumOff val="15000"/>
+              <a:lumMod val="95000"/>
+              <a:lumOff val="5000"/>
             </a:schemeClr>
           </a:solidFill>
           <a:ln>
             <a:solidFill>
               <a:schemeClr val="bg1">
-                <a:lumMod val="85000"/>
-                <a:lumOff val="15000"/>
+                <a:lumMod val="95000"/>
+                <a:lumOff val="5000"/>
               </a:schemeClr>
             </a:solidFill>
           </a:ln>
@@ -12843,10 +12935,7 @@
           <a:lstStyle/>
           <a:p>
             <a:pPr algn="ctr"/>
-            <a:r>
-              <a:rPr lang="hu-HU" dirty="0"/>
-              <a:t>Output</a:t>
-            </a:r>
+            <a:endParaRPr lang="hu-HU"/>
           </a:p>
         </p:txBody>
       </p:sp>
